--- a/dubbo/Dubbo-RPC框架v1.1.pptx
+++ b/dubbo/Dubbo-RPC框架v1.1.pptx
@@ -232,7 +232,7 @@
           <a:p>
             <a:fld id="{2F325F13-10E3-46EF-9EEE-763BC9FA89C2}" type="datetimeFigureOut">
               <a:rPr lang="zh-CN" altLang="en-US" smtClean="0"/>
-              <a:t>2015/9/21</a:t>
+              <a:t>2015/12/31</a:t>
             </a:fld>
             <a:endParaRPr lang="zh-CN" altLang="en-US"/>
           </a:p>
@@ -2690,7 +2690,7 @@
           <a:p>
             <a:fld id="{530820CF-B880-4189-942D-D702A7CBA730}" type="datetimeFigureOut">
               <a:rPr lang="zh-CN" altLang="en-US" smtClean="0"/>
-              <a:t>2015/9/21</a:t>
+              <a:t>2015/12/31</a:t>
             </a:fld>
             <a:endParaRPr lang="zh-CN" altLang="en-US"/>
           </a:p>
@@ -2886,7 +2886,7 @@
           <a:p>
             <a:fld id="{530820CF-B880-4189-942D-D702A7CBA730}" type="datetimeFigureOut">
               <a:rPr lang="zh-CN" altLang="en-US" smtClean="0"/>
-              <a:t>2015/9/21</a:t>
+              <a:t>2015/12/31</a:t>
             </a:fld>
             <a:endParaRPr lang="zh-CN" altLang="en-US"/>
           </a:p>
@@ -3071,7 +3071,7 @@
           <a:p>
             <a:fld id="{530820CF-B880-4189-942D-D702A7CBA730}" type="datetimeFigureOut">
               <a:rPr lang="zh-CN" altLang="en-US" smtClean="0"/>
-              <a:t>2015/9/21</a:t>
+              <a:t>2015/12/31</a:t>
             </a:fld>
             <a:endParaRPr lang="zh-CN" altLang="en-US"/>
           </a:p>
@@ -3221,7 +3221,7 @@
           <a:p>
             <a:fld id="{530820CF-B880-4189-942D-D702A7CBA730}" type="datetimeFigureOut">
               <a:rPr lang="zh-CN" altLang="en-US" smtClean="0"/>
-              <a:t>2015/9/21</a:t>
+              <a:t>2015/12/31</a:t>
             </a:fld>
             <a:endParaRPr lang="zh-CN" altLang="en-US"/>
           </a:p>
@@ -3476,7 +3476,7 @@
           <a:p>
             <a:fld id="{530820CF-B880-4189-942D-D702A7CBA730}" type="datetimeFigureOut">
               <a:rPr lang="zh-CN" altLang="en-US" smtClean="0"/>
-              <a:t>2015/9/21</a:t>
+              <a:t>2015/12/31</a:t>
             </a:fld>
             <a:endParaRPr lang="zh-CN" altLang="en-US"/>
           </a:p>
@@ -3885,7 +3885,7 @@
           <a:p>
             <a:fld id="{530820CF-B880-4189-942D-D702A7CBA730}" type="datetimeFigureOut">
               <a:rPr lang="zh-CN" altLang="en-US" smtClean="0"/>
-              <a:t>2015/9/21</a:t>
+              <a:t>2015/12/31</a:t>
             </a:fld>
             <a:endParaRPr lang="zh-CN" altLang="en-US"/>
           </a:p>
@@ -4331,7 +4331,7 @@
           <a:p>
             <a:fld id="{530820CF-B880-4189-942D-D702A7CBA730}" type="datetimeFigureOut">
               <a:rPr lang="zh-CN" altLang="en-US" smtClean="0"/>
-              <a:t>2015/9/21</a:t>
+              <a:t>2015/12/31</a:t>
             </a:fld>
             <a:endParaRPr lang="zh-CN" altLang="en-US"/>
           </a:p>
@@ -4432,7 +4432,7 @@
           <a:p>
             <a:fld id="{530820CF-B880-4189-942D-D702A7CBA730}" type="datetimeFigureOut">
               <a:rPr lang="zh-CN" altLang="en-US" smtClean="0"/>
-              <a:t>2015/9/21</a:t>
+              <a:t>2015/12/31</a:t>
             </a:fld>
             <a:endParaRPr lang="zh-CN" altLang="en-US"/>
           </a:p>
@@ -4553,7 +4553,7 @@
           <a:p>
             <a:fld id="{530820CF-B880-4189-942D-D702A7CBA730}" type="datetimeFigureOut">
               <a:rPr lang="zh-CN" altLang="en-US" smtClean="0"/>
-              <a:t>2015/9/21</a:t>
+              <a:t>2015/12/31</a:t>
             </a:fld>
             <a:endParaRPr lang="zh-CN" altLang="en-US"/>
           </a:p>
@@ -4827,7 +4827,7 @@
           <a:p>
             <a:fld id="{530820CF-B880-4189-942D-D702A7CBA730}" type="datetimeFigureOut">
               <a:rPr lang="zh-CN" altLang="en-US" smtClean="0"/>
-              <a:t>2015/9/21</a:t>
+              <a:t>2015/12/31</a:t>
             </a:fld>
             <a:endParaRPr lang="zh-CN" altLang="en-US"/>
           </a:p>
@@ -5032,7 +5032,7 @@
           <a:p>
             <a:fld id="{530820CF-B880-4189-942D-D702A7CBA730}" type="datetimeFigureOut">
               <a:rPr lang="zh-CN" altLang="en-US" smtClean="0"/>
-              <a:t>2015/9/21</a:t>
+              <a:t>2015/12/31</a:t>
             </a:fld>
             <a:endParaRPr lang="zh-CN" altLang="en-US"/>
           </a:p>
@@ -6141,7 +6141,7 @@
           <a:p>
             <a:fld id="{530820CF-B880-4189-942D-D702A7CBA730}" type="datetimeFigureOut">
               <a:rPr lang="zh-CN" altLang="en-US" smtClean="0"/>
-              <a:t>2015/9/21</a:t>
+              <a:t>2015/12/31</a:t>
             </a:fld>
             <a:endParaRPr lang="zh-CN" altLang="en-US"/>
           </a:p>
@@ -6604,22 +6604,6 @@
           </a:bodyPr>
           <a:lstStyle/>
           <a:p>
-            <a:r>
-              <a:rPr lang="zh-CN" altLang="en-US" sz="1600" dirty="0" smtClean="0">
-                <a:solidFill>
-                  <a:schemeClr val="bg1"/>
-                </a:solidFill>
-              </a:rPr>
-              <a:t>北京大米未来科技有限公司</a:t>
-            </a:r>
-            <a:r>
-              <a:rPr lang="en-US" altLang="zh-CN" sz="1600" dirty="0" smtClean="0">
-                <a:solidFill>
-                  <a:schemeClr val="bg1"/>
-                </a:solidFill>
-              </a:rPr>
-              <a:t>-</a:t>
-            </a:r>
             <a:r>
               <a:rPr lang="zh-CN" altLang="en-US" sz="1600" dirty="0" smtClean="0">
                 <a:solidFill>
@@ -14936,13 +14920,7 @@
               <a:rPr lang="zh-CN" altLang="en-US" dirty="0" smtClean="0">
                 <a:hlinkClick r:id="rId4" action="ppaction://hlinksldjump"/>
               </a:rPr>
-              <a:t>并发</a:t>
-            </a:r>
-            <a:r>
-              <a:rPr lang="zh-CN" altLang="en-US" dirty="0" smtClean="0">
-                <a:hlinkClick r:id="rId4" action="ppaction://hlinksldjump"/>
-              </a:rPr>
-              <a:t>控制</a:t>
+              <a:t>并发控制</a:t>
             </a:r>
             <a:endParaRPr lang="en-US" altLang="zh-CN" dirty="0" smtClean="0"/>
           </a:p>
